--- a/docs/Borgs_Retrospective.pptx
+++ b/docs/Borgs_Retrospective.pptx
@@ -3127,14 +3127,14 @@
           </a:ln>
           <a:extLst>
             <a:ext uri="{909E8E84-426E-40dd-AFC4-6F175D3DCCD1}">
-              <a14:hiddenFill xmlns:a14="http://schemas.microsoft.com/office/drawing/2010/main" xmlns="">
+              <a14:hiddenFill xmlns="" xmlns:a14="http://schemas.microsoft.com/office/drawing/2010/main">
                 <a:solidFill>
                   <a:srgbClr val="FFFFFF"/>
                 </a:solidFill>
               </a14:hiddenFill>
             </a:ext>
             <a:ext uri="{91240B29-F687-4f45-9708-019B960494DF}">
-              <a14:hiddenLine xmlns:a14="http://schemas.microsoft.com/office/drawing/2010/main" xmlns="" w="9525">
+              <a14:hiddenLine xmlns="" xmlns:a14="http://schemas.microsoft.com/office/drawing/2010/main" w="9525">
                 <a:solidFill>
                   <a:srgbClr val="000000"/>
                 </a:solidFill>
@@ -3185,14 +3185,14 @@
           </a:ln>
           <a:extLst>
             <a:ext uri="{909E8E84-426E-40dd-AFC4-6F175D3DCCD1}">
-              <a14:hiddenFill xmlns:a14="http://schemas.microsoft.com/office/drawing/2010/main" xmlns="">
+              <a14:hiddenFill xmlns="" xmlns:a14="http://schemas.microsoft.com/office/drawing/2010/main">
                 <a:solidFill>
                   <a:srgbClr val="FFFFFF"/>
                 </a:solidFill>
               </a14:hiddenFill>
             </a:ext>
             <a:ext uri="{91240B29-F687-4f45-9708-019B960494DF}">
-              <a14:hiddenLine xmlns:a14="http://schemas.microsoft.com/office/drawing/2010/main" xmlns="" w="9525">
+              <a14:hiddenLine xmlns="" xmlns:a14="http://schemas.microsoft.com/office/drawing/2010/main" w="9525">
                 <a:solidFill>
                   <a:srgbClr val="000000"/>
                 </a:solidFill>
@@ -3774,14 +3774,14 @@
           </a:ln>
           <a:extLst>
             <a:ext uri="{909E8E84-426E-40dd-AFC4-6F175D3DCCD1}">
-              <a14:hiddenFill xmlns:a14="http://schemas.microsoft.com/office/drawing/2010/main" xmlns="">
+              <a14:hiddenFill xmlns="" xmlns:a14="http://schemas.microsoft.com/office/drawing/2010/main">
                 <a:solidFill>
                   <a:srgbClr val="FFFFFF"/>
                 </a:solidFill>
               </a14:hiddenFill>
             </a:ext>
             <a:ext uri="{91240B29-F687-4f45-9708-019B960494DF}">
-              <a14:hiddenLine xmlns:a14="http://schemas.microsoft.com/office/drawing/2010/main" xmlns="" w="9525">
+              <a14:hiddenLine xmlns="" xmlns:a14="http://schemas.microsoft.com/office/drawing/2010/main" w="9525">
                 <a:solidFill>
                   <a:srgbClr val="000000"/>
                 </a:solidFill>
@@ -4091,7 +4091,7 @@
                   <a:schemeClr val="tx1"/>
                 </a:solidFill>
               </a:rPr>
-              <a:t>Elvin – </a:t>
+              <a:t>Elvin – CSS style changes and Java </a:t>
             </a:r>
           </a:p>
           <a:p>
@@ -4263,6 +4263,22 @@
                   <a:schemeClr val="tx1"/>
                 </a:solidFill>
               </a:rPr>
+              <a:t>Underestimated required amount of work </a:t>
+            </a:r>
+            <a:r>
+              <a:rPr lang="en-US" sz="1800">
+                <a:solidFill>
+                  <a:schemeClr val="tx1"/>
+                </a:solidFill>
+              </a:rPr>
+              <a:t>on issues</a:t>
+            </a:r>
+            <a:r>
+              <a:rPr lang="en-US" sz="1800" dirty="0">
+                <a:solidFill>
+                  <a:schemeClr val="tx1"/>
+                </a:solidFill>
+              </a:rPr>
               <a:t>.</a:t>
             </a:r>
           </a:p>
@@ -4542,7 +4558,23 @@
                   <a:schemeClr val="tx1"/>
                 </a:solidFill>
               </a:rPr>
-              <a:t>Elvin – </a:t>
+              <a:t>Elvin –  Update </a:t>
+            </a:r>
+            <a:r>
+              <a:rPr lang="en-US" sz="1600" dirty="0" err="1">
+                <a:solidFill>
+                  <a:schemeClr val="tx1"/>
+                </a:solidFill>
+              </a:rPr>
+              <a:t>Zenhub</a:t>
+            </a:r>
+            <a:r>
+              <a:rPr lang="en-US" sz="1600" dirty="0">
+                <a:solidFill>
+                  <a:schemeClr val="tx1"/>
+                </a:solidFill>
+              </a:rPr>
+              <a:t> as soon as issues are complete. </a:t>
             </a:r>
           </a:p>
           <a:p>

--- a/docs/Borgs_Retrospective.pptx
+++ b/docs/Borgs_Retrospective.pptx
@@ -3127,14 +3127,14 @@
           </a:ln>
           <a:extLst>
             <a:ext uri="{909E8E84-426E-40dd-AFC4-6F175D3DCCD1}">
-              <a14:hiddenFill xmlns:a14="http://schemas.microsoft.com/office/drawing/2010/main" xmlns="">
+              <a14:hiddenFill xmlns="" xmlns:a14="http://schemas.microsoft.com/office/drawing/2010/main">
                 <a:solidFill>
                   <a:srgbClr val="FFFFFF"/>
                 </a:solidFill>
               </a14:hiddenFill>
             </a:ext>
             <a:ext uri="{91240B29-F687-4f45-9708-019B960494DF}">
-              <a14:hiddenLine xmlns:a14="http://schemas.microsoft.com/office/drawing/2010/main" xmlns="" w="9525">
+              <a14:hiddenLine xmlns="" xmlns:a14="http://schemas.microsoft.com/office/drawing/2010/main" w="9525">
                 <a:solidFill>
                   <a:srgbClr val="000000"/>
                 </a:solidFill>
@@ -3185,14 +3185,14 @@
           </a:ln>
           <a:extLst>
             <a:ext uri="{909E8E84-426E-40dd-AFC4-6F175D3DCCD1}">
-              <a14:hiddenFill xmlns:a14="http://schemas.microsoft.com/office/drawing/2010/main" xmlns="">
+              <a14:hiddenFill xmlns="" xmlns:a14="http://schemas.microsoft.com/office/drawing/2010/main">
                 <a:solidFill>
                   <a:srgbClr val="FFFFFF"/>
                 </a:solidFill>
               </a14:hiddenFill>
             </a:ext>
             <a:ext uri="{91240B29-F687-4f45-9708-019B960494DF}">
-              <a14:hiddenLine xmlns:a14="http://schemas.microsoft.com/office/drawing/2010/main" xmlns="" w="9525">
+              <a14:hiddenLine xmlns="" xmlns:a14="http://schemas.microsoft.com/office/drawing/2010/main" w="9525">
                 <a:solidFill>
                   <a:srgbClr val="000000"/>
                 </a:solidFill>
@@ -3774,14 +3774,14 @@
           </a:ln>
           <a:extLst>
             <a:ext uri="{909E8E84-426E-40dd-AFC4-6F175D3DCCD1}">
-              <a14:hiddenFill xmlns:a14="http://schemas.microsoft.com/office/drawing/2010/main" xmlns="">
+              <a14:hiddenFill xmlns="" xmlns:a14="http://schemas.microsoft.com/office/drawing/2010/main">
                 <a:solidFill>
                   <a:srgbClr val="FFFFFF"/>
                 </a:solidFill>
               </a14:hiddenFill>
             </a:ext>
             <a:ext uri="{91240B29-F687-4f45-9708-019B960494DF}">
-              <a14:hiddenLine xmlns:a14="http://schemas.microsoft.com/office/drawing/2010/main" xmlns="" w="9525">
+              <a14:hiddenLine xmlns="" xmlns:a14="http://schemas.microsoft.com/office/drawing/2010/main" w="9525">
                 <a:solidFill>
                   <a:srgbClr val="000000"/>
                 </a:solidFill>
@@ -4046,7 +4046,7 @@
                   <a:schemeClr val="tx1"/>
                 </a:solidFill>
               </a:rPr>
-              <a:t>Walter –</a:t>
+              <a:t>Walter – Idea input creation </a:t>
             </a:r>
           </a:p>
           <a:p>
@@ -4263,7 +4263,7 @@
                   <a:schemeClr val="tx1"/>
                 </a:solidFill>
               </a:rPr>
-              <a:t>.</a:t>
+              <a:t>Time management, underestimating how much time it takes to complete a task.</a:t>
             </a:r>
           </a:p>
           <a:p>
@@ -4497,8 +4497,21 @@
                   <a:schemeClr val="tx1"/>
                 </a:solidFill>
               </a:rPr>
-              <a:t>Walter –</a:t>
-            </a:r>
+              <a:t>Walter – Communication relay. Better response time </a:t>
+            </a:r>
+            <a:r>
+              <a:rPr lang="en-US" sz="1600">
+                <a:solidFill>
+                  <a:schemeClr val="tx1"/>
+                </a:solidFill>
+              </a:rPr>
+              <a:t>on tasks. </a:t>
+            </a:r>
+            <a:endParaRPr lang="en-US" sz="1600" dirty="0">
+              <a:solidFill>
+                <a:schemeClr val="tx1"/>
+              </a:solidFill>
+            </a:endParaRPr>
           </a:p>
           <a:p>
             <a:pPr lvl="2">

--- a/docs/Borgs_Retrospective.pptx
+++ b/docs/Borgs_Retrospective.pptx
@@ -7517,6 +7517,25 @@
 <file path=ppt/slides/slide1.xml><?xml version="1.0" encoding="utf-8"?>
 <p:sld xmlns:a="http://schemas.openxmlformats.org/drawingml/2006/main" xmlns:r="http://schemas.openxmlformats.org/officeDocument/2006/relationships" xmlns:p="http://schemas.openxmlformats.org/presentationml/2006/main">
   <p:cSld>
+    <p:bg>
+      <p:bgPr>
+        <a:gradFill>
+          <a:gsLst>
+            <a:gs pos="0">
+              <a:srgbClr val="F2F2F2"/>
+            </a:gs>
+            <a:gs pos="77000">
+              <a:srgbClr val="F2F2F2"/>
+            </a:gs>
+            <a:gs pos="100000">
+              <a:srgbClr val="002060"/>
+            </a:gs>
+          </a:gsLst>
+          <a:lin ang="5400000" scaled="0"/>
+        </a:gradFill>
+        <a:effectLst/>
+      </p:bgPr>
+    </p:bg>
     <p:spTree>
       <p:nvGrpSpPr>
         <p:cNvPr id="1" name="Shape 58"/>
@@ -7533,60 +7552,14 @@
       </p:grpSpPr>
       <p:sp>
         <p:nvSpPr>
-          <p:cNvPr id="59" name="Google Shape;59;p15"/>
-          <p:cNvSpPr txBox="1">
-            <a:spLocks noGrp="1"/>
-          </p:cNvSpPr>
-          <p:nvPr>
-            <p:ph type="title"/>
-          </p:nvPr>
-        </p:nvSpPr>
-        <p:spPr>
-          <a:xfrm>
-            <a:off x="549275" y="107951"/>
-            <a:ext cx="8042275" cy="585224"/>
-          </a:xfrm>
-          <a:prstGeom prst="rect">
-            <a:avLst/>
-          </a:prstGeom>
-          <a:noFill/>
-          <a:ln>
-            <a:noFill/>
-          </a:ln>
-        </p:spPr>
-        <p:txBody>
-          <a:bodyPr spcFirstLastPara="1" wrap="square" lIns="91425" tIns="45700" rIns="91425" bIns="45700" anchor="b" anchorCtr="0">
-            <a:noAutofit/>
-          </a:bodyPr>
-          <a:lstStyle/>
-          <a:p>
-            <a:pPr marL="0" lvl="0" indent="0" algn="ctr" rtl="0">
-              <a:spcBef>
-                <a:spcPts val="0"/>
-              </a:spcBef>
-              <a:spcAft>
-                <a:spcPts val="0"/>
-              </a:spcAft>
-              <a:buNone/>
-            </a:pPr>
-            <a:r>
-              <a:rPr lang="en-US" sz="3600"/>
-              <a:t>Borgs Bros</a:t>
-            </a:r>
-            <a:endParaRPr sz="1200"/>
-          </a:p>
-        </p:txBody>
-      </p:sp>
-      <p:sp>
-        <p:nvSpPr>
           <p:cNvPr id="60" name="Google Shape;60;p15"/>
           <p:cNvSpPr txBox="1"/>
           <p:nvPr/>
         </p:nvSpPr>
         <p:spPr>
           <a:xfrm>
-            <a:off x="549274" y="759301"/>
-            <a:ext cx="8042275" cy="5702375"/>
+            <a:off x="174484" y="1536920"/>
+            <a:ext cx="7858126" cy="4177096"/>
           </a:xfrm>
           <a:prstGeom prst="rect">
             <a:avLst/>
@@ -7702,7 +7675,7 @@
                 <a:latin typeface="Calibri"/>
                 <a:cs typeface="Calibri"/>
               </a:rPr>
-              <a:t>Idea input creation </a:t>
+              <a:t>Idea input creation and providing resources to team.</a:t>
             </a:r>
             <a:endParaRPr sz="1600" dirty="0">
               <a:solidFill>
@@ -7836,7 +7809,7 @@
                 <a:cs typeface="Calibri"/>
                 <a:sym typeface="Calibri"/>
               </a:rPr>
-              <a:t>Luke - </a:t>
+              <a:t>Luke – Cooperation, agreement, etc.</a:t>
             </a:r>
             <a:endParaRPr sz="1800" b="0" i="0" u="none" strike="noStrike" cap="none" dirty="0">
               <a:solidFill>
@@ -7950,6 +7923,476 @@
           </a:p>
         </p:txBody>
       </p:sp>
+      <p:grpSp>
+        <p:nvGrpSpPr>
+          <p:cNvPr id="20" name="Group 19">
+            <a:extLst>
+              <a:ext uri="{FF2B5EF4-FFF2-40B4-BE49-F238E27FC236}">
+                <a16:creationId xmlns:a16="http://schemas.microsoft.com/office/drawing/2014/main" id="{3D30B1A0-8C07-4AE0-B274-BD5E1C4C4105}"/>
+              </a:ext>
+            </a:extLst>
+          </p:cNvPr>
+          <p:cNvGrpSpPr/>
+          <p:nvPr/>
+        </p:nvGrpSpPr>
+        <p:grpSpPr>
+          <a:xfrm>
+            <a:off x="2844800" y="231995"/>
+            <a:ext cx="3162300" cy="1181100"/>
+            <a:chOff x="2730500" y="165100"/>
+            <a:chExt cx="3162300" cy="1181100"/>
+          </a:xfrm>
+        </p:grpSpPr>
+        <p:sp>
+          <p:nvSpPr>
+            <p:cNvPr id="19" name="Rectangle 18">
+              <a:extLst>
+                <a:ext uri="{FF2B5EF4-FFF2-40B4-BE49-F238E27FC236}">
+                  <a16:creationId xmlns:a16="http://schemas.microsoft.com/office/drawing/2014/main" id="{31B150DC-5159-4F4F-AB5D-4FDF3BB38E81}"/>
+                </a:ext>
+              </a:extLst>
+            </p:cNvPr>
+            <p:cNvSpPr/>
+            <p:nvPr/>
+          </p:nvSpPr>
+          <p:spPr>
+            <a:xfrm>
+              <a:off x="2730500" y="165100"/>
+              <a:ext cx="3162300" cy="1181100"/>
+            </a:xfrm>
+            <a:prstGeom prst="rect">
+              <a:avLst/>
+            </a:prstGeom>
+            <a:ln>
+              <a:noFill/>
+            </a:ln>
+          </p:spPr>
+          <p:style>
+            <a:lnRef idx="2">
+              <a:schemeClr val="dk1">
+                <a:shade val="50000"/>
+              </a:schemeClr>
+            </a:lnRef>
+            <a:fillRef idx="1">
+              <a:schemeClr val="dk1"/>
+            </a:fillRef>
+            <a:effectRef idx="0">
+              <a:schemeClr val="dk1"/>
+            </a:effectRef>
+            <a:fontRef idx="minor">
+              <a:schemeClr val="lt1"/>
+            </a:fontRef>
+          </p:style>
+          <p:txBody>
+            <a:bodyPr rtlCol="0" anchor="ctr"/>
+            <a:lstStyle/>
+            <a:p>
+              <a:pPr algn="ctr"/>
+              <a:endParaRPr lang="en-US"/>
+            </a:p>
+          </p:txBody>
+        </p:sp>
+        <p:grpSp>
+          <p:nvGrpSpPr>
+            <p:cNvPr id="15" name="Group 14">
+              <a:extLst>
+                <a:ext uri="{FF2B5EF4-FFF2-40B4-BE49-F238E27FC236}">
+                  <a16:creationId xmlns:a16="http://schemas.microsoft.com/office/drawing/2014/main" id="{DFE11299-5B40-4022-A853-8310BD6E7CEF}"/>
+                </a:ext>
+              </a:extLst>
+            </p:cNvPr>
+            <p:cNvGrpSpPr/>
+            <p:nvPr/>
+          </p:nvGrpSpPr>
+          <p:grpSpPr>
+            <a:xfrm>
+              <a:off x="3008671" y="246627"/>
+              <a:ext cx="2515829" cy="1035161"/>
+              <a:chOff x="2116143" y="4367558"/>
+              <a:chExt cx="2980616" cy="1226402"/>
+            </a:xfrm>
+          </p:grpSpPr>
+          <p:pic>
+            <p:nvPicPr>
+              <p:cNvPr id="7" name="Picture 6">
+                <a:extLst>
+                  <a:ext uri="{FF2B5EF4-FFF2-40B4-BE49-F238E27FC236}">
+                    <a16:creationId xmlns:a16="http://schemas.microsoft.com/office/drawing/2014/main" id="{A79897E8-86C6-4805-A400-29D09FF8DFFA}"/>
+                  </a:ext>
+                </a:extLst>
+              </p:cNvPr>
+              <p:cNvPicPr>
+                <a:picLocks noChangeAspect="1"/>
+              </p:cNvPicPr>
+              <p:nvPr/>
+            </p:nvPicPr>
+            <p:blipFill rotWithShape="1">
+              <a:blip r:embed="rId3">
+                <a:extLst>
+                  <a:ext uri="{837473B0-CC2E-450A-ABE3-18F120FF3D39}">
+                    <a1611:picAttrSrcUrl xmlns:a1611="http://schemas.microsoft.com/office/drawing/2016/11/main" r:id="rId4"/>
+                  </a:ext>
+                </a:extLst>
+              </a:blip>
+              <a:srcRect t="13956" b="12896"/>
+              <a:stretch/>
+            </p:blipFill>
+            <p:spPr>
+              <a:xfrm>
+                <a:off x="2116143" y="4367558"/>
+                <a:ext cx="2980616" cy="1226402"/>
+              </a:xfrm>
+              <a:prstGeom prst="rect">
+                <a:avLst/>
+              </a:prstGeom>
+            </p:spPr>
+          </p:pic>
+          <p:sp>
+            <p:nvSpPr>
+              <p:cNvPr id="8" name="Rectangle 7">
+                <a:extLst>
+                  <a:ext uri="{FF2B5EF4-FFF2-40B4-BE49-F238E27FC236}">
+                    <a16:creationId xmlns:a16="http://schemas.microsoft.com/office/drawing/2014/main" id="{83DCBE6F-60E1-4D00-9C05-AB9818D07D05}"/>
+                  </a:ext>
+                </a:extLst>
+              </p:cNvPr>
+              <p:cNvSpPr/>
+              <p:nvPr/>
+            </p:nvSpPr>
+            <p:spPr>
+              <a:xfrm>
+                <a:off x="2418787" y="4666159"/>
+                <a:ext cx="1254121" cy="629200"/>
+              </a:xfrm>
+              <a:prstGeom prst="rect">
+                <a:avLst/>
+              </a:prstGeom>
+              <a:ln>
+                <a:noFill/>
+              </a:ln>
+            </p:spPr>
+            <p:style>
+              <a:lnRef idx="2">
+                <a:schemeClr val="dk1">
+                  <a:shade val="50000"/>
+                </a:schemeClr>
+              </a:lnRef>
+              <a:fillRef idx="1">
+                <a:schemeClr val="dk1"/>
+              </a:fillRef>
+              <a:effectRef idx="0">
+                <a:schemeClr val="dk1"/>
+              </a:effectRef>
+              <a:fontRef idx="minor">
+                <a:schemeClr val="lt1"/>
+              </a:fontRef>
+            </p:style>
+            <p:txBody>
+              <a:bodyPr rtlCol="0" anchor="ctr"/>
+              <a:lstStyle/>
+              <a:p>
+                <a:pPr algn="ctr"/>
+                <a:endParaRPr lang="en-US"/>
+              </a:p>
+            </p:txBody>
+          </p:sp>
+          <p:pic>
+            <p:nvPicPr>
+              <p:cNvPr id="10" name="Picture 9">
+                <a:extLst>
+                  <a:ext uri="{FF2B5EF4-FFF2-40B4-BE49-F238E27FC236}">
+                    <a16:creationId xmlns:a16="http://schemas.microsoft.com/office/drawing/2014/main" id="{7D695188-9BC8-42C7-8413-3F64EFCA0926}"/>
+                  </a:ext>
+                </a:extLst>
+              </p:cNvPr>
+              <p:cNvPicPr>
+                <a:picLocks noChangeAspect="1"/>
+              </p:cNvPicPr>
+              <p:nvPr/>
+            </p:nvPicPr>
+            <p:blipFill rotWithShape="1">
+              <a:blip r:embed="rId3">
+                <a:extLst>
+                  <a:ext uri="{837473B0-CC2E-450A-ABE3-18F120FF3D39}">
+                    <a1611:picAttrSrcUrl xmlns:a1611="http://schemas.microsoft.com/office/drawing/2016/11/main" r:id="rId4"/>
+                  </a:ext>
+                </a:extLst>
+              </a:blip>
+              <a:srcRect l="64215" t="31860" r="28230" b="28656"/>
+              <a:stretch/>
+            </p:blipFill>
+            <p:spPr>
+              <a:xfrm>
+                <a:off x="2958066" y="4665763"/>
+                <a:ext cx="225166" cy="661988"/>
+              </a:xfrm>
+              <a:prstGeom prst="rect">
+                <a:avLst/>
+              </a:prstGeom>
+            </p:spPr>
+          </p:pic>
+          <p:pic>
+            <p:nvPicPr>
+              <p:cNvPr id="12" name="Picture 11">
+                <a:extLst>
+                  <a:ext uri="{FF2B5EF4-FFF2-40B4-BE49-F238E27FC236}">
+                    <a16:creationId xmlns:a16="http://schemas.microsoft.com/office/drawing/2014/main" id="{6413BC85-02E5-4DCE-A8E2-C5F84AA2B7C1}"/>
+                  </a:ext>
+                </a:extLst>
+              </p:cNvPr>
+              <p:cNvPicPr>
+                <a:picLocks noChangeAspect="1"/>
+              </p:cNvPicPr>
+              <p:nvPr/>
+            </p:nvPicPr>
+            <p:blipFill rotWithShape="1">
+              <a:blip r:embed="rId3">
+                <a:extLst>
+                  <a:ext uri="{837473B0-CC2E-450A-ABE3-18F120FF3D39}">
+                    <a1611:picAttrSrcUrl xmlns:a1611="http://schemas.microsoft.com/office/drawing/2016/11/main" r:id="rId4"/>
+                  </a:ext>
+                </a:extLst>
+              </a:blip>
+              <a:srcRect l="55600" t="32988" r="35973" b="29484"/>
+              <a:stretch/>
+            </p:blipFill>
+            <p:spPr>
+              <a:xfrm>
+                <a:off x="2426109" y="4687423"/>
+                <a:ext cx="251188" cy="629199"/>
+              </a:xfrm>
+              <a:prstGeom prst="rect">
+                <a:avLst/>
+              </a:prstGeom>
+            </p:spPr>
+          </p:pic>
+          <p:pic>
+            <p:nvPicPr>
+              <p:cNvPr id="13" name="Picture 12">
+                <a:extLst>
+                  <a:ext uri="{FF2B5EF4-FFF2-40B4-BE49-F238E27FC236}">
+                    <a16:creationId xmlns:a16="http://schemas.microsoft.com/office/drawing/2014/main" id="{841B49D1-D408-41ED-A3E3-E2980878C15C}"/>
+                  </a:ext>
+                </a:extLst>
+              </p:cNvPr>
+              <p:cNvPicPr>
+                <a:picLocks noChangeAspect="1"/>
+              </p:cNvPicPr>
+              <p:nvPr/>
+            </p:nvPicPr>
+            <p:blipFill rotWithShape="1">
+              <a:blip r:embed="rId3">
+                <a:extLst>
+                  <a:ext uri="{837473B0-CC2E-450A-ABE3-18F120FF3D39}">
+                    <a1611:picAttrSrcUrl xmlns:a1611="http://schemas.microsoft.com/office/drawing/2016/11/main" r:id="rId4"/>
+                  </a:ext>
+                </a:extLst>
+              </a:blip>
+              <a:srcRect l="43981" t="31391" r="47231" b="26711"/>
+              <a:stretch/>
+            </p:blipFill>
+            <p:spPr>
+              <a:xfrm>
+                <a:off x="2688376" y="4666159"/>
+                <a:ext cx="261937" cy="702469"/>
+              </a:xfrm>
+              <a:prstGeom prst="rect">
+                <a:avLst/>
+              </a:prstGeom>
+            </p:spPr>
+          </p:pic>
+          <p:grpSp>
+            <p:nvGrpSpPr>
+              <p:cNvPr id="14" name="Group 13">
+                <a:extLst>
+                  <a:ext uri="{FF2B5EF4-FFF2-40B4-BE49-F238E27FC236}">
+                    <a16:creationId xmlns:a16="http://schemas.microsoft.com/office/drawing/2014/main" id="{0463C672-EB99-4813-B6D0-E2CAB97F1387}"/>
+                  </a:ext>
+                </a:extLst>
+              </p:cNvPr>
+              <p:cNvGrpSpPr/>
+              <p:nvPr/>
+            </p:nvGrpSpPr>
+            <p:grpSpPr>
+              <a:xfrm>
+                <a:off x="3227068" y="4672424"/>
+                <a:ext cx="235923" cy="616669"/>
+                <a:chOff x="1352280" y="4672424"/>
+                <a:chExt cx="235923" cy="616669"/>
+              </a:xfrm>
+            </p:grpSpPr>
+            <p:pic>
+              <p:nvPicPr>
+                <p:cNvPr id="11" name="Picture 10">
+                  <a:extLst>
+                    <a:ext uri="{FF2B5EF4-FFF2-40B4-BE49-F238E27FC236}">
+                      <a16:creationId xmlns:a16="http://schemas.microsoft.com/office/drawing/2014/main" id="{3FE551AF-906E-4E88-8E17-15595CE3A3BB}"/>
+                    </a:ext>
+                  </a:extLst>
+                </p:cNvPr>
+                <p:cNvPicPr>
+                  <a:picLocks noChangeAspect="1"/>
+                </p:cNvPicPr>
+                <p:nvPr/>
+              </p:nvPicPr>
+              <p:blipFill rotWithShape="1">
+                <a:blip r:embed="rId3">
+                  <a:extLst>
+                    <a:ext uri="{837473B0-CC2E-450A-ABE3-18F120FF3D39}">
+                      <a1611:picAttrSrcUrl xmlns:a1611="http://schemas.microsoft.com/office/drawing/2016/11/main" r:id="rId4"/>
+                    </a:ext>
+                  </a:extLst>
+                </a:blip>
+                <a:srcRect l="71867" t="32144" r="20463" b="31076"/>
+                <a:stretch/>
+              </p:blipFill>
+              <p:spPr>
+                <a:xfrm>
+                  <a:off x="1352280" y="4672424"/>
+                  <a:ext cx="228601" cy="616669"/>
+                </a:xfrm>
+                <a:prstGeom prst="rect">
+                  <a:avLst/>
+                </a:prstGeom>
+              </p:spPr>
+            </p:pic>
+            <p:sp>
+              <p:nvSpPr>
+                <p:cNvPr id="9" name="Rectangle 8">
+                  <a:extLst>
+                    <a:ext uri="{FF2B5EF4-FFF2-40B4-BE49-F238E27FC236}">
+                      <a16:creationId xmlns:a16="http://schemas.microsoft.com/office/drawing/2014/main" id="{1482AEC0-7A7D-4B66-9545-FBB07D86EEC4}"/>
+                    </a:ext>
+                  </a:extLst>
+                </p:cNvPr>
+                <p:cNvSpPr/>
+                <p:nvPr/>
+              </p:nvSpPr>
+              <p:spPr>
+                <a:xfrm>
+                  <a:off x="1488806" y="4862165"/>
+                  <a:ext cx="99397" cy="182910"/>
+                </a:xfrm>
+                <a:prstGeom prst="rect">
+                  <a:avLst/>
+                </a:prstGeom>
+                <a:ln>
+                  <a:noFill/>
+                </a:ln>
+              </p:spPr>
+              <p:style>
+                <a:lnRef idx="2">
+                  <a:schemeClr val="dk1">
+                    <a:shade val="50000"/>
+                  </a:schemeClr>
+                </a:lnRef>
+                <a:fillRef idx="1">
+                  <a:schemeClr val="dk1"/>
+                </a:fillRef>
+                <a:effectRef idx="0">
+                  <a:schemeClr val="dk1"/>
+                </a:effectRef>
+                <a:fontRef idx="minor">
+                  <a:schemeClr val="lt1"/>
+                </a:fontRef>
+              </p:style>
+              <p:txBody>
+                <a:bodyPr rtlCol="0" anchor="ctr"/>
+                <a:lstStyle/>
+                <a:p>
+                  <a:pPr algn="ctr"/>
+                  <a:endParaRPr lang="en-US"/>
+                </a:p>
+              </p:txBody>
+            </p:sp>
+            <p:sp>
+              <p:nvSpPr>
+                <p:cNvPr id="16" name="Rectangle 15">
+                  <a:extLst>
+                    <a:ext uri="{FF2B5EF4-FFF2-40B4-BE49-F238E27FC236}">
+                      <a16:creationId xmlns:a16="http://schemas.microsoft.com/office/drawing/2014/main" id="{71195C0B-F287-4D06-81B6-46886897AB4A}"/>
+                    </a:ext>
+                  </a:extLst>
+                </p:cNvPr>
+                <p:cNvSpPr/>
+                <p:nvPr/>
+              </p:nvSpPr>
+              <p:spPr>
+                <a:xfrm>
+                  <a:off x="1463677" y="5076826"/>
+                  <a:ext cx="60324" cy="98424"/>
+                </a:xfrm>
+                <a:prstGeom prst="rect">
+                  <a:avLst/>
+                </a:prstGeom>
+                <a:ln>
+                  <a:noFill/>
+                </a:ln>
+              </p:spPr>
+              <p:style>
+                <a:lnRef idx="2">
+                  <a:schemeClr val="dk1">
+                    <a:shade val="50000"/>
+                  </a:schemeClr>
+                </a:lnRef>
+                <a:fillRef idx="1">
+                  <a:schemeClr val="dk1"/>
+                </a:fillRef>
+                <a:effectRef idx="0">
+                  <a:schemeClr val="dk1"/>
+                </a:effectRef>
+                <a:fontRef idx="minor">
+                  <a:schemeClr val="lt1"/>
+                </a:fontRef>
+              </p:style>
+              <p:txBody>
+                <a:bodyPr rtlCol="0" anchor="ctr"/>
+                <a:lstStyle/>
+                <a:p>
+                  <a:pPr algn="ctr"/>
+                  <a:endParaRPr lang="en-US"/>
+                </a:p>
+              </p:txBody>
+            </p:sp>
+          </p:grpSp>
+        </p:grpSp>
+        <p:pic>
+          <p:nvPicPr>
+            <p:cNvPr id="3" name="Picture 2">
+              <a:extLst>
+                <a:ext uri="{FF2B5EF4-FFF2-40B4-BE49-F238E27FC236}">
+                  <a16:creationId xmlns:a16="http://schemas.microsoft.com/office/drawing/2014/main" id="{DEE73BD2-4952-4EAD-AB4D-EFBAF26E1D0F}"/>
+                </a:ext>
+              </a:extLst>
+            </p:cNvPr>
+            <p:cNvPicPr>
+              <a:picLocks noChangeAspect="1"/>
+            </p:cNvPicPr>
+            <p:nvPr/>
+          </p:nvPicPr>
+          <p:blipFill>
+            <a:blip r:embed="rId5">
+              <a:extLst>
+                <a:ext uri="{837473B0-CC2E-450A-ABE3-18F120FF3D39}">
+                  <a1611:picAttrSrcUrl xmlns:a1611="http://schemas.microsoft.com/office/drawing/2016/11/main" r:id="rId6"/>
+                </a:ext>
+              </a:extLst>
+            </a:blip>
+            <a:stretch>
+              <a:fillRect/>
+            </a:stretch>
+          </p:blipFill>
+          <p:spPr>
+            <a:xfrm>
+              <a:off x="5245437" y="688860"/>
+              <a:ext cx="627807" cy="592928"/>
+            </a:xfrm>
+            <a:prstGeom prst="rect">
+              <a:avLst/>
+            </a:prstGeom>
+          </p:spPr>
+        </p:pic>
+      </p:grpSp>
     </p:spTree>
   </p:cSld>
   <p:clrMapOvr>
@@ -7961,6 +8404,25 @@
 <file path=ppt/slides/slide2.xml><?xml version="1.0" encoding="utf-8"?>
 <p:sld xmlns:a="http://schemas.openxmlformats.org/drawingml/2006/main" xmlns:r="http://schemas.openxmlformats.org/officeDocument/2006/relationships" xmlns:p="http://schemas.openxmlformats.org/presentationml/2006/main">
   <p:cSld>
+    <p:bg>
+      <p:bgPr>
+        <a:gradFill>
+          <a:gsLst>
+            <a:gs pos="0">
+              <a:srgbClr val="F2F2F2"/>
+            </a:gs>
+            <a:gs pos="77000">
+              <a:srgbClr val="F2F2F2"/>
+            </a:gs>
+            <a:gs pos="100000">
+              <a:srgbClr val="002060"/>
+            </a:gs>
+          </a:gsLst>
+          <a:lin ang="5400000" scaled="0"/>
+        </a:gradFill>
+        <a:effectLst/>
+      </p:bgPr>
+    </p:bg>
     <p:spTree>
       <p:nvGrpSpPr>
         <p:cNvPr id="1" name="Shape 64"/>
@@ -7977,52 +8439,6 @@
       </p:grpSpPr>
       <p:sp>
         <p:nvSpPr>
-          <p:cNvPr id="65" name="Google Shape;65;p16"/>
-          <p:cNvSpPr txBox="1">
-            <a:spLocks noGrp="1"/>
-          </p:cNvSpPr>
-          <p:nvPr>
-            <p:ph type="title"/>
-          </p:nvPr>
-        </p:nvSpPr>
-        <p:spPr>
-          <a:xfrm>
-            <a:off x="549275" y="107951"/>
-            <a:ext cx="8042275" cy="585224"/>
-          </a:xfrm>
-          <a:prstGeom prst="rect">
-            <a:avLst/>
-          </a:prstGeom>
-          <a:noFill/>
-          <a:ln>
-            <a:noFill/>
-          </a:ln>
-        </p:spPr>
-        <p:txBody>
-          <a:bodyPr spcFirstLastPara="1" wrap="square" lIns="91425" tIns="45700" rIns="91425" bIns="45700" anchor="b" anchorCtr="0">
-            <a:noAutofit/>
-          </a:bodyPr>
-          <a:lstStyle/>
-          <a:p>
-            <a:pPr marL="0" lvl="0" indent="0" algn="ctr" rtl="0">
-              <a:spcBef>
-                <a:spcPts val="0"/>
-              </a:spcBef>
-              <a:spcAft>
-                <a:spcPts val="0"/>
-              </a:spcAft>
-              <a:buNone/>
-            </a:pPr>
-            <a:r>
-              <a:rPr lang="en-US" sz="3600"/>
-              <a:t>Borgs Bros</a:t>
-            </a:r>
-            <a:endParaRPr sz="1200"/>
-          </a:p>
-        </p:txBody>
-      </p:sp>
-      <p:sp>
-        <p:nvSpPr>
           <p:cNvPr id="66" name="Google Shape;66;p16"/>
           <p:cNvSpPr txBox="1">
             <a:spLocks noGrp="1"/>
@@ -8033,7 +8449,7 @@
         </p:nvSpPr>
         <p:spPr>
           <a:xfrm>
-            <a:off x="549275" y="693175"/>
+            <a:off x="307975" y="1530719"/>
             <a:ext cx="8042275" cy="5702375"/>
           </a:xfrm>
           <a:prstGeom prst="rect">
@@ -8071,6 +8487,21 @@
             <a:endParaRPr dirty="0"/>
           </a:p>
           <a:p>
+            <a:pPr marL="968375" lvl="2" indent="-282575">
+              <a:spcBef>
+                <a:spcPts val="1200"/>
+              </a:spcBef>
+            </a:pPr>
+            <a:r>
+              <a:rPr lang="en-US" sz="1800" dirty="0">
+                <a:solidFill>
+                  <a:schemeClr val="dk1"/>
+                </a:solidFill>
+              </a:rPr>
+              <a:t>Time management, underestimating how much time it takes to complete a task</a:t>
+            </a:r>
+          </a:p>
+          <a:p>
             <a:pPr marL="968375" lvl="2" indent="-282575" algn="l" rtl="0">
               <a:spcBef>
                 <a:spcPts val="1200"/>
@@ -8109,55 +8540,6 @@
                 </a:solidFill>
               </a:rPr>
               <a:t> Learning how to create “real time” updates for the multiplayer aspect with multiple users. Will require more research. </a:t>
-            </a:r>
-            <a:endParaRPr dirty="0"/>
-          </a:p>
-          <a:p>
-            <a:pPr marL="968375" lvl="2" indent="-282575">
-              <a:spcBef>
-                <a:spcPts val="1200"/>
-              </a:spcBef>
-            </a:pPr>
-            <a:r>
-              <a:rPr lang="en-US" sz="1800" dirty="0">
-                <a:solidFill>
-                  <a:schemeClr val="dk1"/>
-                </a:solidFill>
-              </a:rPr>
-              <a:t> Time management, underestimating how much time it takes to complete a task.</a:t>
-            </a:r>
-          </a:p>
-          <a:p>
-            <a:pPr marL="968375" lvl="2" indent="-282575" algn="l" rtl="0">
-              <a:spcBef>
-                <a:spcPts val="1200"/>
-              </a:spcBef>
-              <a:spcAft>
-                <a:spcPts val="0"/>
-              </a:spcAft>
-              <a:buSzPts val="1980"/>
-              <a:buChar char="⚫"/>
-            </a:pPr>
-            <a:endParaRPr dirty="0"/>
-          </a:p>
-          <a:p>
-            <a:pPr marL="968375" lvl="2" indent="-282575" algn="l" rtl="0">
-              <a:spcBef>
-                <a:spcPts val="1200"/>
-              </a:spcBef>
-              <a:spcAft>
-                <a:spcPts val="0"/>
-              </a:spcAft>
-              <a:buSzPts val="1980"/>
-              <a:buChar char="⚫"/>
-            </a:pPr>
-            <a:r>
-              <a:rPr lang="en-US" sz="1800" dirty="0">
-                <a:solidFill>
-                  <a:schemeClr val="dk1"/>
-                </a:solidFill>
-              </a:rPr>
-              <a:t>.</a:t>
             </a:r>
             <a:endParaRPr dirty="0"/>
           </a:p>
@@ -8262,6 +8644,476 @@
           </a:p>
         </p:txBody>
       </p:sp>
+      <p:grpSp>
+        <p:nvGrpSpPr>
+          <p:cNvPr id="19" name="Group 18">
+            <a:extLst>
+              <a:ext uri="{FF2B5EF4-FFF2-40B4-BE49-F238E27FC236}">
+                <a16:creationId xmlns:a16="http://schemas.microsoft.com/office/drawing/2014/main" id="{66AACA61-6918-4050-B0D6-B1EBF1498D38}"/>
+              </a:ext>
+            </a:extLst>
+          </p:cNvPr>
+          <p:cNvGrpSpPr/>
+          <p:nvPr/>
+        </p:nvGrpSpPr>
+        <p:grpSpPr>
+          <a:xfrm>
+            <a:off x="2844800" y="231995"/>
+            <a:ext cx="3162300" cy="1181100"/>
+            <a:chOff x="2730500" y="165100"/>
+            <a:chExt cx="3162300" cy="1181100"/>
+          </a:xfrm>
+        </p:grpSpPr>
+        <p:sp>
+          <p:nvSpPr>
+            <p:cNvPr id="20" name="Rectangle 19">
+              <a:extLst>
+                <a:ext uri="{FF2B5EF4-FFF2-40B4-BE49-F238E27FC236}">
+                  <a16:creationId xmlns:a16="http://schemas.microsoft.com/office/drawing/2014/main" id="{346AD0B0-9D7D-474A-9DCD-1254A9B854B6}"/>
+                </a:ext>
+              </a:extLst>
+            </p:cNvPr>
+            <p:cNvSpPr/>
+            <p:nvPr/>
+          </p:nvSpPr>
+          <p:spPr>
+            <a:xfrm>
+              <a:off x="2730500" y="165100"/>
+              <a:ext cx="3162300" cy="1181100"/>
+            </a:xfrm>
+            <a:prstGeom prst="rect">
+              <a:avLst/>
+            </a:prstGeom>
+            <a:ln>
+              <a:noFill/>
+            </a:ln>
+          </p:spPr>
+          <p:style>
+            <a:lnRef idx="2">
+              <a:schemeClr val="dk1">
+                <a:shade val="50000"/>
+              </a:schemeClr>
+            </a:lnRef>
+            <a:fillRef idx="1">
+              <a:schemeClr val="dk1"/>
+            </a:fillRef>
+            <a:effectRef idx="0">
+              <a:schemeClr val="dk1"/>
+            </a:effectRef>
+            <a:fontRef idx="minor">
+              <a:schemeClr val="lt1"/>
+            </a:fontRef>
+          </p:style>
+          <p:txBody>
+            <a:bodyPr rtlCol="0" anchor="ctr"/>
+            <a:lstStyle/>
+            <a:p>
+              <a:pPr algn="ctr"/>
+              <a:endParaRPr lang="en-US"/>
+            </a:p>
+          </p:txBody>
+        </p:sp>
+        <p:grpSp>
+          <p:nvGrpSpPr>
+            <p:cNvPr id="21" name="Group 20">
+              <a:extLst>
+                <a:ext uri="{FF2B5EF4-FFF2-40B4-BE49-F238E27FC236}">
+                  <a16:creationId xmlns:a16="http://schemas.microsoft.com/office/drawing/2014/main" id="{0DAF4129-171C-4B32-AE60-E2923A4C6D57}"/>
+                </a:ext>
+              </a:extLst>
+            </p:cNvPr>
+            <p:cNvGrpSpPr/>
+            <p:nvPr/>
+          </p:nvGrpSpPr>
+          <p:grpSpPr>
+            <a:xfrm>
+              <a:off x="3008671" y="246627"/>
+              <a:ext cx="2515829" cy="1035161"/>
+              <a:chOff x="2116143" y="4367558"/>
+              <a:chExt cx="2980616" cy="1226402"/>
+            </a:xfrm>
+          </p:grpSpPr>
+          <p:pic>
+            <p:nvPicPr>
+              <p:cNvPr id="23" name="Picture 22">
+                <a:extLst>
+                  <a:ext uri="{FF2B5EF4-FFF2-40B4-BE49-F238E27FC236}">
+                    <a16:creationId xmlns:a16="http://schemas.microsoft.com/office/drawing/2014/main" id="{AE9906DE-0163-438B-8C4B-6AA0E060CC51}"/>
+                  </a:ext>
+                </a:extLst>
+              </p:cNvPr>
+              <p:cNvPicPr>
+                <a:picLocks noChangeAspect="1"/>
+              </p:cNvPicPr>
+              <p:nvPr/>
+            </p:nvPicPr>
+            <p:blipFill rotWithShape="1">
+              <a:blip r:embed="rId3">
+                <a:extLst>
+                  <a:ext uri="{837473B0-CC2E-450A-ABE3-18F120FF3D39}">
+                    <a1611:picAttrSrcUrl xmlns:a1611="http://schemas.microsoft.com/office/drawing/2016/11/main" r:id="rId4"/>
+                  </a:ext>
+                </a:extLst>
+              </a:blip>
+              <a:srcRect t="13956" b="12896"/>
+              <a:stretch/>
+            </p:blipFill>
+            <p:spPr>
+              <a:xfrm>
+                <a:off x="2116143" y="4367558"/>
+                <a:ext cx="2980616" cy="1226402"/>
+              </a:xfrm>
+              <a:prstGeom prst="rect">
+                <a:avLst/>
+              </a:prstGeom>
+            </p:spPr>
+          </p:pic>
+          <p:sp>
+            <p:nvSpPr>
+              <p:cNvPr id="24" name="Rectangle 23">
+                <a:extLst>
+                  <a:ext uri="{FF2B5EF4-FFF2-40B4-BE49-F238E27FC236}">
+                    <a16:creationId xmlns:a16="http://schemas.microsoft.com/office/drawing/2014/main" id="{1B60C56A-79AC-4B16-8404-F8966206B831}"/>
+                  </a:ext>
+                </a:extLst>
+              </p:cNvPr>
+              <p:cNvSpPr/>
+              <p:nvPr/>
+            </p:nvSpPr>
+            <p:spPr>
+              <a:xfrm>
+                <a:off x="2418787" y="4666159"/>
+                <a:ext cx="1254121" cy="629200"/>
+              </a:xfrm>
+              <a:prstGeom prst="rect">
+                <a:avLst/>
+              </a:prstGeom>
+              <a:ln>
+                <a:noFill/>
+              </a:ln>
+            </p:spPr>
+            <p:style>
+              <a:lnRef idx="2">
+                <a:schemeClr val="dk1">
+                  <a:shade val="50000"/>
+                </a:schemeClr>
+              </a:lnRef>
+              <a:fillRef idx="1">
+                <a:schemeClr val="dk1"/>
+              </a:fillRef>
+              <a:effectRef idx="0">
+                <a:schemeClr val="dk1"/>
+              </a:effectRef>
+              <a:fontRef idx="minor">
+                <a:schemeClr val="lt1"/>
+              </a:fontRef>
+            </p:style>
+            <p:txBody>
+              <a:bodyPr rtlCol="0" anchor="ctr"/>
+              <a:lstStyle/>
+              <a:p>
+                <a:pPr algn="ctr"/>
+                <a:endParaRPr lang="en-US"/>
+              </a:p>
+            </p:txBody>
+          </p:sp>
+          <p:pic>
+            <p:nvPicPr>
+              <p:cNvPr id="25" name="Picture 24">
+                <a:extLst>
+                  <a:ext uri="{FF2B5EF4-FFF2-40B4-BE49-F238E27FC236}">
+                    <a16:creationId xmlns:a16="http://schemas.microsoft.com/office/drawing/2014/main" id="{6D12A3E4-8062-4C41-986B-3B931C5602D0}"/>
+                  </a:ext>
+                </a:extLst>
+              </p:cNvPr>
+              <p:cNvPicPr>
+                <a:picLocks noChangeAspect="1"/>
+              </p:cNvPicPr>
+              <p:nvPr/>
+            </p:nvPicPr>
+            <p:blipFill rotWithShape="1">
+              <a:blip r:embed="rId3">
+                <a:extLst>
+                  <a:ext uri="{837473B0-CC2E-450A-ABE3-18F120FF3D39}">
+                    <a1611:picAttrSrcUrl xmlns:a1611="http://schemas.microsoft.com/office/drawing/2016/11/main" r:id="rId4"/>
+                  </a:ext>
+                </a:extLst>
+              </a:blip>
+              <a:srcRect l="64215" t="31860" r="28230" b="28656"/>
+              <a:stretch/>
+            </p:blipFill>
+            <p:spPr>
+              <a:xfrm>
+                <a:off x="2958066" y="4665763"/>
+                <a:ext cx="225166" cy="661988"/>
+              </a:xfrm>
+              <a:prstGeom prst="rect">
+                <a:avLst/>
+              </a:prstGeom>
+            </p:spPr>
+          </p:pic>
+          <p:pic>
+            <p:nvPicPr>
+              <p:cNvPr id="26" name="Picture 25">
+                <a:extLst>
+                  <a:ext uri="{FF2B5EF4-FFF2-40B4-BE49-F238E27FC236}">
+                    <a16:creationId xmlns:a16="http://schemas.microsoft.com/office/drawing/2014/main" id="{6D7B8515-1257-494A-964A-F4BF20FEC8E5}"/>
+                  </a:ext>
+                </a:extLst>
+              </p:cNvPr>
+              <p:cNvPicPr>
+                <a:picLocks noChangeAspect="1"/>
+              </p:cNvPicPr>
+              <p:nvPr/>
+            </p:nvPicPr>
+            <p:blipFill rotWithShape="1">
+              <a:blip r:embed="rId3">
+                <a:extLst>
+                  <a:ext uri="{837473B0-CC2E-450A-ABE3-18F120FF3D39}">
+                    <a1611:picAttrSrcUrl xmlns:a1611="http://schemas.microsoft.com/office/drawing/2016/11/main" r:id="rId4"/>
+                  </a:ext>
+                </a:extLst>
+              </a:blip>
+              <a:srcRect l="55600" t="32988" r="35973" b="29484"/>
+              <a:stretch/>
+            </p:blipFill>
+            <p:spPr>
+              <a:xfrm>
+                <a:off x="2426109" y="4687423"/>
+                <a:ext cx="251188" cy="629199"/>
+              </a:xfrm>
+              <a:prstGeom prst="rect">
+                <a:avLst/>
+              </a:prstGeom>
+            </p:spPr>
+          </p:pic>
+          <p:pic>
+            <p:nvPicPr>
+              <p:cNvPr id="27" name="Picture 26">
+                <a:extLst>
+                  <a:ext uri="{FF2B5EF4-FFF2-40B4-BE49-F238E27FC236}">
+                    <a16:creationId xmlns:a16="http://schemas.microsoft.com/office/drawing/2014/main" id="{66D0D584-6B30-4DBC-A260-6E2AC70DDF93}"/>
+                  </a:ext>
+                </a:extLst>
+              </p:cNvPr>
+              <p:cNvPicPr>
+                <a:picLocks noChangeAspect="1"/>
+              </p:cNvPicPr>
+              <p:nvPr/>
+            </p:nvPicPr>
+            <p:blipFill rotWithShape="1">
+              <a:blip r:embed="rId3">
+                <a:extLst>
+                  <a:ext uri="{837473B0-CC2E-450A-ABE3-18F120FF3D39}">
+                    <a1611:picAttrSrcUrl xmlns:a1611="http://schemas.microsoft.com/office/drawing/2016/11/main" r:id="rId4"/>
+                  </a:ext>
+                </a:extLst>
+              </a:blip>
+              <a:srcRect l="43981" t="31391" r="47231" b="26711"/>
+              <a:stretch/>
+            </p:blipFill>
+            <p:spPr>
+              <a:xfrm>
+                <a:off x="2688376" y="4666159"/>
+                <a:ext cx="261937" cy="702469"/>
+              </a:xfrm>
+              <a:prstGeom prst="rect">
+                <a:avLst/>
+              </a:prstGeom>
+            </p:spPr>
+          </p:pic>
+          <p:grpSp>
+            <p:nvGrpSpPr>
+              <p:cNvPr id="28" name="Group 27">
+                <a:extLst>
+                  <a:ext uri="{FF2B5EF4-FFF2-40B4-BE49-F238E27FC236}">
+                    <a16:creationId xmlns:a16="http://schemas.microsoft.com/office/drawing/2014/main" id="{7526EECA-9701-43DE-B4D7-38C0C65C762E}"/>
+                  </a:ext>
+                </a:extLst>
+              </p:cNvPr>
+              <p:cNvGrpSpPr/>
+              <p:nvPr/>
+            </p:nvGrpSpPr>
+            <p:grpSpPr>
+              <a:xfrm>
+                <a:off x="3227068" y="4672424"/>
+                <a:ext cx="235923" cy="616669"/>
+                <a:chOff x="1352280" y="4672424"/>
+                <a:chExt cx="235923" cy="616669"/>
+              </a:xfrm>
+            </p:grpSpPr>
+            <p:pic>
+              <p:nvPicPr>
+                <p:cNvPr id="29" name="Picture 28">
+                  <a:extLst>
+                    <a:ext uri="{FF2B5EF4-FFF2-40B4-BE49-F238E27FC236}">
+                      <a16:creationId xmlns:a16="http://schemas.microsoft.com/office/drawing/2014/main" id="{F116A6C4-CD5D-48CF-B090-76B6DFF0C1E7}"/>
+                    </a:ext>
+                  </a:extLst>
+                </p:cNvPr>
+                <p:cNvPicPr>
+                  <a:picLocks noChangeAspect="1"/>
+                </p:cNvPicPr>
+                <p:nvPr/>
+              </p:nvPicPr>
+              <p:blipFill rotWithShape="1">
+                <a:blip r:embed="rId3">
+                  <a:extLst>
+                    <a:ext uri="{837473B0-CC2E-450A-ABE3-18F120FF3D39}">
+                      <a1611:picAttrSrcUrl xmlns:a1611="http://schemas.microsoft.com/office/drawing/2016/11/main" r:id="rId4"/>
+                    </a:ext>
+                  </a:extLst>
+                </a:blip>
+                <a:srcRect l="71867" t="32144" r="20463" b="31076"/>
+                <a:stretch/>
+              </p:blipFill>
+              <p:spPr>
+                <a:xfrm>
+                  <a:off x="1352280" y="4672424"/>
+                  <a:ext cx="228601" cy="616669"/>
+                </a:xfrm>
+                <a:prstGeom prst="rect">
+                  <a:avLst/>
+                </a:prstGeom>
+              </p:spPr>
+            </p:pic>
+            <p:sp>
+              <p:nvSpPr>
+                <p:cNvPr id="30" name="Rectangle 29">
+                  <a:extLst>
+                    <a:ext uri="{FF2B5EF4-FFF2-40B4-BE49-F238E27FC236}">
+                      <a16:creationId xmlns:a16="http://schemas.microsoft.com/office/drawing/2014/main" id="{3B007971-91BC-4935-9C37-2CB8C9F07CAD}"/>
+                    </a:ext>
+                  </a:extLst>
+                </p:cNvPr>
+                <p:cNvSpPr/>
+                <p:nvPr/>
+              </p:nvSpPr>
+              <p:spPr>
+                <a:xfrm>
+                  <a:off x="1488806" y="4862165"/>
+                  <a:ext cx="99397" cy="182910"/>
+                </a:xfrm>
+                <a:prstGeom prst="rect">
+                  <a:avLst/>
+                </a:prstGeom>
+                <a:ln>
+                  <a:noFill/>
+                </a:ln>
+              </p:spPr>
+              <p:style>
+                <a:lnRef idx="2">
+                  <a:schemeClr val="dk1">
+                    <a:shade val="50000"/>
+                  </a:schemeClr>
+                </a:lnRef>
+                <a:fillRef idx="1">
+                  <a:schemeClr val="dk1"/>
+                </a:fillRef>
+                <a:effectRef idx="0">
+                  <a:schemeClr val="dk1"/>
+                </a:effectRef>
+                <a:fontRef idx="minor">
+                  <a:schemeClr val="lt1"/>
+                </a:fontRef>
+              </p:style>
+              <p:txBody>
+                <a:bodyPr rtlCol="0" anchor="ctr"/>
+                <a:lstStyle/>
+                <a:p>
+                  <a:pPr algn="ctr"/>
+                  <a:endParaRPr lang="en-US"/>
+                </a:p>
+              </p:txBody>
+            </p:sp>
+            <p:sp>
+              <p:nvSpPr>
+                <p:cNvPr id="31" name="Rectangle 30">
+                  <a:extLst>
+                    <a:ext uri="{FF2B5EF4-FFF2-40B4-BE49-F238E27FC236}">
+                      <a16:creationId xmlns:a16="http://schemas.microsoft.com/office/drawing/2014/main" id="{21D59E4A-6F07-48AC-87DE-C8A32D2B1DAD}"/>
+                    </a:ext>
+                  </a:extLst>
+                </p:cNvPr>
+                <p:cNvSpPr/>
+                <p:nvPr/>
+              </p:nvSpPr>
+              <p:spPr>
+                <a:xfrm>
+                  <a:off x="1463677" y="5076826"/>
+                  <a:ext cx="60324" cy="98424"/>
+                </a:xfrm>
+                <a:prstGeom prst="rect">
+                  <a:avLst/>
+                </a:prstGeom>
+                <a:ln>
+                  <a:noFill/>
+                </a:ln>
+              </p:spPr>
+              <p:style>
+                <a:lnRef idx="2">
+                  <a:schemeClr val="dk1">
+                    <a:shade val="50000"/>
+                  </a:schemeClr>
+                </a:lnRef>
+                <a:fillRef idx="1">
+                  <a:schemeClr val="dk1"/>
+                </a:fillRef>
+                <a:effectRef idx="0">
+                  <a:schemeClr val="dk1"/>
+                </a:effectRef>
+                <a:fontRef idx="minor">
+                  <a:schemeClr val="lt1"/>
+                </a:fontRef>
+              </p:style>
+              <p:txBody>
+                <a:bodyPr rtlCol="0" anchor="ctr"/>
+                <a:lstStyle/>
+                <a:p>
+                  <a:pPr algn="ctr"/>
+                  <a:endParaRPr lang="en-US"/>
+                </a:p>
+              </p:txBody>
+            </p:sp>
+          </p:grpSp>
+        </p:grpSp>
+        <p:pic>
+          <p:nvPicPr>
+            <p:cNvPr id="22" name="Picture 21">
+              <a:extLst>
+                <a:ext uri="{FF2B5EF4-FFF2-40B4-BE49-F238E27FC236}">
+                  <a16:creationId xmlns:a16="http://schemas.microsoft.com/office/drawing/2014/main" id="{5A246887-0F6F-40AB-98BA-5477632E80FA}"/>
+                </a:ext>
+              </a:extLst>
+            </p:cNvPr>
+            <p:cNvPicPr>
+              <a:picLocks noChangeAspect="1"/>
+            </p:cNvPicPr>
+            <p:nvPr/>
+          </p:nvPicPr>
+          <p:blipFill>
+            <a:blip r:embed="rId5">
+              <a:extLst>
+                <a:ext uri="{837473B0-CC2E-450A-ABE3-18F120FF3D39}">
+                  <a1611:picAttrSrcUrl xmlns:a1611="http://schemas.microsoft.com/office/drawing/2016/11/main" r:id="rId6"/>
+                </a:ext>
+              </a:extLst>
+            </a:blip>
+            <a:stretch>
+              <a:fillRect/>
+            </a:stretch>
+          </p:blipFill>
+          <p:spPr>
+            <a:xfrm>
+              <a:off x="5245437" y="688860"/>
+              <a:ext cx="627807" cy="592928"/>
+            </a:xfrm>
+            <a:prstGeom prst="rect">
+              <a:avLst/>
+            </a:prstGeom>
+          </p:spPr>
+        </p:pic>
+      </p:grpSp>
     </p:spTree>
   </p:cSld>
   <p:clrMapOvr>
@@ -8273,6 +9125,25 @@
 <file path=ppt/slides/slide3.xml><?xml version="1.0" encoding="utf-8"?>
 <p:sld xmlns:a="http://schemas.openxmlformats.org/drawingml/2006/main" xmlns:r="http://schemas.openxmlformats.org/officeDocument/2006/relationships" xmlns:p="http://schemas.openxmlformats.org/presentationml/2006/main">
   <p:cSld>
+    <p:bg>
+      <p:bgPr>
+        <a:gradFill>
+          <a:gsLst>
+            <a:gs pos="0">
+              <a:srgbClr val="F2F2F2"/>
+            </a:gs>
+            <a:gs pos="77000">
+              <a:srgbClr val="F2F2F2"/>
+            </a:gs>
+            <a:gs pos="100000">
+              <a:srgbClr val="002060"/>
+            </a:gs>
+          </a:gsLst>
+          <a:lin ang="5400000" scaled="0"/>
+        </a:gradFill>
+        <a:effectLst/>
+      </p:bgPr>
+    </p:bg>
     <p:spTree>
       <p:nvGrpSpPr>
         <p:cNvPr id="1" name="Shape 70"/>
@@ -8289,52 +9160,6 @@
       </p:grpSpPr>
       <p:sp>
         <p:nvSpPr>
-          <p:cNvPr id="71" name="Google Shape;71;p17"/>
-          <p:cNvSpPr txBox="1">
-            <a:spLocks noGrp="1"/>
-          </p:cNvSpPr>
-          <p:nvPr>
-            <p:ph type="title"/>
-          </p:nvPr>
-        </p:nvSpPr>
-        <p:spPr>
-          <a:xfrm>
-            <a:off x="549275" y="107951"/>
-            <a:ext cx="8042275" cy="585224"/>
-          </a:xfrm>
-          <a:prstGeom prst="rect">
-            <a:avLst/>
-          </a:prstGeom>
-          <a:noFill/>
-          <a:ln>
-            <a:noFill/>
-          </a:ln>
-        </p:spPr>
-        <p:txBody>
-          <a:bodyPr spcFirstLastPara="1" wrap="square" lIns="91425" tIns="45700" rIns="91425" bIns="45700" anchor="b" anchorCtr="0">
-            <a:noAutofit/>
-          </a:bodyPr>
-          <a:lstStyle/>
-          <a:p>
-            <a:pPr marL="0" lvl="0" indent="0" algn="ctr" rtl="0">
-              <a:spcBef>
-                <a:spcPts val="0"/>
-              </a:spcBef>
-              <a:spcAft>
-                <a:spcPts val="0"/>
-              </a:spcAft>
-              <a:buNone/>
-            </a:pPr>
-            <a:r>
-              <a:rPr lang="en-US" sz="3600"/>
-              <a:t>Borgs Bros</a:t>
-            </a:r>
-            <a:endParaRPr sz="1200"/>
-          </a:p>
-        </p:txBody>
-      </p:sp>
-      <p:sp>
-        <p:nvSpPr>
           <p:cNvPr id="72" name="Google Shape;72;p17"/>
           <p:cNvSpPr txBox="1">
             <a:spLocks noGrp="1"/>
@@ -8345,7 +9170,7 @@
         </p:nvSpPr>
         <p:spPr>
           <a:xfrm>
-            <a:off x="549275" y="693175"/>
+            <a:off x="397847" y="1667251"/>
             <a:ext cx="8042275" cy="5702375"/>
           </a:xfrm>
           <a:prstGeom prst="rect">
@@ -8415,7 +9240,7 @@
                   <a:schemeClr val="dk1"/>
                 </a:solidFill>
               </a:rPr>
-              <a:t>Updating Task Board and Communication</a:t>
+              <a:t>Updating Task Board and Communication. Having more realistic tasks that can be completed within the time frame.</a:t>
             </a:r>
             <a:endParaRPr dirty="0"/>
           </a:p>
@@ -8478,7 +9303,7 @@
                   <a:schemeClr val="dk1"/>
                 </a:solidFill>
               </a:rPr>
-              <a:t>Daniel – Informing team of current task and task progress. Manage schedule to have more time for group meetups.</a:t>
+              <a:t>Daniel – Informing team of current task and task progress. Manage personal schedule to have more time for group meetups.</a:t>
             </a:r>
             <a:endParaRPr dirty="0"/>
           </a:p>
@@ -8520,7 +9345,7 @@
                   <a:schemeClr val="dk1"/>
                 </a:solidFill>
               </a:rPr>
-              <a:t>Luke - </a:t>
+              <a:t>Luke – Communication, ask for help when necessary</a:t>
             </a:r>
             <a:endParaRPr sz="1800" dirty="0"/>
           </a:p>
@@ -8578,6 +9403,476 @@
           </a:p>
         </p:txBody>
       </p:sp>
+      <p:grpSp>
+        <p:nvGrpSpPr>
+          <p:cNvPr id="19" name="Group 18">
+            <a:extLst>
+              <a:ext uri="{FF2B5EF4-FFF2-40B4-BE49-F238E27FC236}">
+                <a16:creationId xmlns:a16="http://schemas.microsoft.com/office/drawing/2014/main" id="{B71D027F-DC51-441A-8282-771D429712C7}"/>
+              </a:ext>
+            </a:extLst>
+          </p:cNvPr>
+          <p:cNvGrpSpPr/>
+          <p:nvPr/>
+        </p:nvGrpSpPr>
+        <p:grpSpPr>
+          <a:xfrm>
+            <a:off x="2844800" y="231995"/>
+            <a:ext cx="3162300" cy="1181100"/>
+            <a:chOff x="2730500" y="165100"/>
+            <a:chExt cx="3162300" cy="1181100"/>
+          </a:xfrm>
+        </p:grpSpPr>
+        <p:sp>
+          <p:nvSpPr>
+            <p:cNvPr id="20" name="Rectangle 19">
+              <a:extLst>
+                <a:ext uri="{FF2B5EF4-FFF2-40B4-BE49-F238E27FC236}">
+                  <a16:creationId xmlns:a16="http://schemas.microsoft.com/office/drawing/2014/main" id="{2B8D2DF4-93E6-467F-A6FB-8802BDB0697C}"/>
+                </a:ext>
+              </a:extLst>
+            </p:cNvPr>
+            <p:cNvSpPr/>
+            <p:nvPr/>
+          </p:nvSpPr>
+          <p:spPr>
+            <a:xfrm>
+              <a:off x="2730500" y="165100"/>
+              <a:ext cx="3162300" cy="1181100"/>
+            </a:xfrm>
+            <a:prstGeom prst="rect">
+              <a:avLst/>
+            </a:prstGeom>
+            <a:ln>
+              <a:noFill/>
+            </a:ln>
+          </p:spPr>
+          <p:style>
+            <a:lnRef idx="2">
+              <a:schemeClr val="dk1">
+                <a:shade val="50000"/>
+              </a:schemeClr>
+            </a:lnRef>
+            <a:fillRef idx="1">
+              <a:schemeClr val="dk1"/>
+            </a:fillRef>
+            <a:effectRef idx="0">
+              <a:schemeClr val="dk1"/>
+            </a:effectRef>
+            <a:fontRef idx="minor">
+              <a:schemeClr val="lt1"/>
+            </a:fontRef>
+          </p:style>
+          <p:txBody>
+            <a:bodyPr rtlCol="0" anchor="ctr"/>
+            <a:lstStyle/>
+            <a:p>
+              <a:pPr algn="ctr"/>
+              <a:endParaRPr lang="en-US"/>
+            </a:p>
+          </p:txBody>
+        </p:sp>
+        <p:grpSp>
+          <p:nvGrpSpPr>
+            <p:cNvPr id="21" name="Group 20">
+              <a:extLst>
+                <a:ext uri="{FF2B5EF4-FFF2-40B4-BE49-F238E27FC236}">
+                  <a16:creationId xmlns:a16="http://schemas.microsoft.com/office/drawing/2014/main" id="{F30D7C07-B0EA-4A3E-AF0E-37311B3BDD13}"/>
+                </a:ext>
+              </a:extLst>
+            </p:cNvPr>
+            <p:cNvGrpSpPr/>
+            <p:nvPr/>
+          </p:nvGrpSpPr>
+          <p:grpSpPr>
+            <a:xfrm>
+              <a:off x="3008671" y="246627"/>
+              <a:ext cx="2515829" cy="1035161"/>
+              <a:chOff x="2116143" y="4367558"/>
+              <a:chExt cx="2980616" cy="1226402"/>
+            </a:xfrm>
+          </p:grpSpPr>
+          <p:pic>
+            <p:nvPicPr>
+              <p:cNvPr id="23" name="Picture 22">
+                <a:extLst>
+                  <a:ext uri="{FF2B5EF4-FFF2-40B4-BE49-F238E27FC236}">
+                    <a16:creationId xmlns:a16="http://schemas.microsoft.com/office/drawing/2014/main" id="{A52743C1-F896-49EB-A0AC-E87C131E7E6C}"/>
+                  </a:ext>
+                </a:extLst>
+              </p:cNvPr>
+              <p:cNvPicPr>
+                <a:picLocks noChangeAspect="1"/>
+              </p:cNvPicPr>
+              <p:nvPr/>
+            </p:nvPicPr>
+            <p:blipFill rotWithShape="1">
+              <a:blip r:embed="rId3">
+                <a:extLst>
+                  <a:ext uri="{837473B0-CC2E-450A-ABE3-18F120FF3D39}">
+                    <a1611:picAttrSrcUrl xmlns:a1611="http://schemas.microsoft.com/office/drawing/2016/11/main" r:id="rId4"/>
+                  </a:ext>
+                </a:extLst>
+              </a:blip>
+              <a:srcRect t="13956" b="12896"/>
+              <a:stretch/>
+            </p:blipFill>
+            <p:spPr>
+              <a:xfrm>
+                <a:off x="2116143" y="4367558"/>
+                <a:ext cx="2980616" cy="1226402"/>
+              </a:xfrm>
+              <a:prstGeom prst="rect">
+                <a:avLst/>
+              </a:prstGeom>
+            </p:spPr>
+          </p:pic>
+          <p:sp>
+            <p:nvSpPr>
+              <p:cNvPr id="24" name="Rectangle 23">
+                <a:extLst>
+                  <a:ext uri="{FF2B5EF4-FFF2-40B4-BE49-F238E27FC236}">
+                    <a16:creationId xmlns:a16="http://schemas.microsoft.com/office/drawing/2014/main" id="{01329761-9405-4275-8CFF-D8D953F1699D}"/>
+                  </a:ext>
+                </a:extLst>
+              </p:cNvPr>
+              <p:cNvSpPr/>
+              <p:nvPr/>
+            </p:nvSpPr>
+            <p:spPr>
+              <a:xfrm>
+                <a:off x="2418787" y="4666159"/>
+                <a:ext cx="1254121" cy="629200"/>
+              </a:xfrm>
+              <a:prstGeom prst="rect">
+                <a:avLst/>
+              </a:prstGeom>
+              <a:ln>
+                <a:noFill/>
+              </a:ln>
+            </p:spPr>
+            <p:style>
+              <a:lnRef idx="2">
+                <a:schemeClr val="dk1">
+                  <a:shade val="50000"/>
+                </a:schemeClr>
+              </a:lnRef>
+              <a:fillRef idx="1">
+                <a:schemeClr val="dk1"/>
+              </a:fillRef>
+              <a:effectRef idx="0">
+                <a:schemeClr val="dk1"/>
+              </a:effectRef>
+              <a:fontRef idx="minor">
+                <a:schemeClr val="lt1"/>
+              </a:fontRef>
+            </p:style>
+            <p:txBody>
+              <a:bodyPr rtlCol="0" anchor="ctr"/>
+              <a:lstStyle/>
+              <a:p>
+                <a:pPr algn="ctr"/>
+                <a:endParaRPr lang="en-US"/>
+              </a:p>
+            </p:txBody>
+          </p:sp>
+          <p:pic>
+            <p:nvPicPr>
+              <p:cNvPr id="25" name="Picture 24">
+                <a:extLst>
+                  <a:ext uri="{FF2B5EF4-FFF2-40B4-BE49-F238E27FC236}">
+                    <a16:creationId xmlns:a16="http://schemas.microsoft.com/office/drawing/2014/main" id="{6048B8F0-4789-4322-8BCF-5D7576424715}"/>
+                  </a:ext>
+                </a:extLst>
+              </p:cNvPr>
+              <p:cNvPicPr>
+                <a:picLocks noChangeAspect="1"/>
+              </p:cNvPicPr>
+              <p:nvPr/>
+            </p:nvPicPr>
+            <p:blipFill rotWithShape="1">
+              <a:blip r:embed="rId3">
+                <a:extLst>
+                  <a:ext uri="{837473B0-CC2E-450A-ABE3-18F120FF3D39}">
+                    <a1611:picAttrSrcUrl xmlns:a1611="http://schemas.microsoft.com/office/drawing/2016/11/main" r:id="rId4"/>
+                  </a:ext>
+                </a:extLst>
+              </a:blip>
+              <a:srcRect l="64215" t="31860" r="28230" b="28656"/>
+              <a:stretch/>
+            </p:blipFill>
+            <p:spPr>
+              <a:xfrm>
+                <a:off x="2958066" y="4665763"/>
+                <a:ext cx="225166" cy="661988"/>
+              </a:xfrm>
+              <a:prstGeom prst="rect">
+                <a:avLst/>
+              </a:prstGeom>
+            </p:spPr>
+          </p:pic>
+          <p:pic>
+            <p:nvPicPr>
+              <p:cNvPr id="26" name="Picture 25">
+                <a:extLst>
+                  <a:ext uri="{FF2B5EF4-FFF2-40B4-BE49-F238E27FC236}">
+                    <a16:creationId xmlns:a16="http://schemas.microsoft.com/office/drawing/2014/main" id="{00C84768-9AC1-47A1-A487-693278156065}"/>
+                  </a:ext>
+                </a:extLst>
+              </p:cNvPr>
+              <p:cNvPicPr>
+                <a:picLocks noChangeAspect="1"/>
+              </p:cNvPicPr>
+              <p:nvPr/>
+            </p:nvPicPr>
+            <p:blipFill rotWithShape="1">
+              <a:blip r:embed="rId3">
+                <a:extLst>
+                  <a:ext uri="{837473B0-CC2E-450A-ABE3-18F120FF3D39}">
+                    <a1611:picAttrSrcUrl xmlns:a1611="http://schemas.microsoft.com/office/drawing/2016/11/main" r:id="rId4"/>
+                  </a:ext>
+                </a:extLst>
+              </a:blip>
+              <a:srcRect l="55600" t="32988" r="35973" b="29484"/>
+              <a:stretch/>
+            </p:blipFill>
+            <p:spPr>
+              <a:xfrm>
+                <a:off x="2426109" y="4687423"/>
+                <a:ext cx="251188" cy="629199"/>
+              </a:xfrm>
+              <a:prstGeom prst="rect">
+                <a:avLst/>
+              </a:prstGeom>
+            </p:spPr>
+          </p:pic>
+          <p:pic>
+            <p:nvPicPr>
+              <p:cNvPr id="27" name="Picture 26">
+                <a:extLst>
+                  <a:ext uri="{FF2B5EF4-FFF2-40B4-BE49-F238E27FC236}">
+                    <a16:creationId xmlns:a16="http://schemas.microsoft.com/office/drawing/2014/main" id="{A92555A9-E2BB-4B95-A9BF-2026190A1BB5}"/>
+                  </a:ext>
+                </a:extLst>
+              </p:cNvPr>
+              <p:cNvPicPr>
+                <a:picLocks noChangeAspect="1"/>
+              </p:cNvPicPr>
+              <p:nvPr/>
+            </p:nvPicPr>
+            <p:blipFill rotWithShape="1">
+              <a:blip r:embed="rId3">
+                <a:extLst>
+                  <a:ext uri="{837473B0-CC2E-450A-ABE3-18F120FF3D39}">
+                    <a1611:picAttrSrcUrl xmlns:a1611="http://schemas.microsoft.com/office/drawing/2016/11/main" r:id="rId4"/>
+                  </a:ext>
+                </a:extLst>
+              </a:blip>
+              <a:srcRect l="43981" t="31391" r="47231" b="26711"/>
+              <a:stretch/>
+            </p:blipFill>
+            <p:spPr>
+              <a:xfrm>
+                <a:off x="2688376" y="4666159"/>
+                <a:ext cx="261937" cy="702469"/>
+              </a:xfrm>
+              <a:prstGeom prst="rect">
+                <a:avLst/>
+              </a:prstGeom>
+            </p:spPr>
+          </p:pic>
+          <p:grpSp>
+            <p:nvGrpSpPr>
+              <p:cNvPr id="28" name="Group 27">
+                <a:extLst>
+                  <a:ext uri="{FF2B5EF4-FFF2-40B4-BE49-F238E27FC236}">
+                    <a16:creationId xmlns:a16="http://schemas.microsoft.com/office/drawing/2014/main" id="{BA38D0E7-3FA2-434D-BABB-8FADFC6339DA}"/>
+                  </a:ext>
+                </a:extLst>
+              </p:cNvPr>
+              <p:cNvGrpSpPr/>
+              <p:nvPr/>
+            </p:nvGrpSpPr>
+            <p:grpSpPr>
+              <a:xfrm>
+                <a:off x="3227068" y="4672424"/>
+                <a:ext cx="235923" cy="616669"/>
+                <a:chOff x="1352280" y="4672424"/>
+                <a:chExt cx="235923" cy="616669"/>
+              </a:xfrm>
+            </p:grpSpPr>
+            <p:pic>
+              <p:nvPicPr>
+                <p:cNvPr id="29" name="Picture 28">
+                  <a:extLst>
+                    <a:ext uri="{FF2B5EF4-FFF2-40B4-BE49-F238E27FC236}">
+                      <a16:creationId xmlns:a16="http://schemas.microsoft.com/office/drawing/2014/main" id="{D408AA76-E267-4B85-961F-1C9C18AE83F6}"/>
+                    </a:ext>
+                  </a:extLst>
+                </p:cNvPr>
+                <p:cNvPicPr>
+                  <a:picLocks noChangeAspect="1"/>
+                </p:cNvPicPr>
+                <p:nvPr/>
+              </p:nvPicPr>
+              <p:blipFill rotWithShape="1">
+                <a:blip r:embed="rId3">
+                  <a:extLst>
+                    <a:ext uri="{837473B0-CC2E-450A-ABE3-18F120FF3D39}">
+                      <a1611:picAttrSrcUrl xmlns:a1611="http://schemas.microsoft.com/office/drawing/2016/11/main" r:id="rId4"/>
+                    </a:ext>
+                  </a:extLst>
+                </a:blip>
+                <a:srcRect l="71867" t="32144" r="20463" b="31076"/>
+                <a:stretch/>
+              </p:blipFill>
+              <p:spPr>
+                <a:xfrm>
+                  <a:off x="1352280" y="4672424"/>
+                  <a:ext cx="228601" cy="616669"/>
+                </a:xfrm>
+                <a:prstGeom prst="rect">
+                  <a:avLst/>
+                </a:prstGeom>
+              </p:spPr>
+            </p:pic>
+            <p:sp>
+              <p:nvSpPr>
+                <p:cNvPr id="30" name="Rectangle 29">
+                  <a:extLst>
+                    <a:ext uri="{FF2B5EF4-FFF2-40B4-BE49-F238E27FC236}">
+                      <a16:creationId xmlns:a16="http://schemas.microsoft.com/office/drawing/2014/main" id="{E204F49A-B195-4102-BAE4-EA035BC81E88}"/>
+                    </a:ext>
+                  </a:extLst>
+                </p:cNvPr>
+                <p:cNvSpPr/>
+                <p:nvPr/>
+              </p:nvSpPr>
+              <p:spPr>
+                <a:xfrm>
+                  <a:off x="1488806" y="4862165"/>
+                  <a:ext cx="99397" cy="182910"/>
+                </a:xfrm>
+                <a:prstGeom prst="rect">
+                  <a:avLst/>
+                </a:prstGeom>
+                <a:ln>
+                  <a:noFill/>
+                </a:ln>
+              </p:spPr>
+              <p:style>
+                <a:lnRef idx="2">
+                  <a:schemeClr val="dk1">
+                    <a:shade val="50000"/>
+                  </a:schemeClr>
+                </a:lnRef>
+                <a:fillRef idx="1">
+                  <a:schemeClr val="dk1"/>
+                </a:fillRef>
+                <a:effectRef idx="0">
+                  <a:schemeClr val="dk1"/>
+                </a:effectRef>
+                <a:fontRef idx="minor">
+                  <a:schemeClr val="lt1"/>
+                </a:fontRef>
+              </p:style>
+              <p:txBody>
+                <a:bodyPr rtlCol="0" anchor="ctr"/>
+                <a:lstStyle/>
+                <a:p>
+                  <a:pPr algn="ctr"/>
+                  <a:endParaRPr lang="en-US"/>
+                </a:p>
+              </p:txBody>
+            </p:sp>
+            <p:sp>
+              <p:nvSpPr>
+                <p:cNvPr id="31" name="Rectangle 30">
+                  <a:extLst>
+                    <a:ext uri="{FF2B5EF4-FFF2-40B4-BE49-F238E27FC236}">
+                      <a16:creationId xmlns:a16="http://schemas.microsoft.com/office/drawing/2014/main" id="{F4C87FDE-DEA0-4F02-BF5D-6C4306F18DAB}"/>
+                    </a:ext>
+                  </a:extLst>
+                </p:cNvPr>
+                <p:cNvSpPr/>
+                <p:nvPr/>
+              </p:nvSpPr>
+              <p:spPr>
+                <a:xfrm>
+                  <a:off x="1463677" y="5076826"/>
+                  <a:ext cx="60324" cy="98424"/>
+                </a:xfrm>
+                <a:prstGeom prst="rect">
+                  <a:avLst/>
+                </a:prstGeom>
+                <a:ln>
+                  <a:noFill/>
+                </a:ln>
+              </p:spPr>
+              <p:style>
+                <a:lnRef idx="2">
+                  <a:schemeClr val="dk1">
+                    <a:shade val="50000"/>
+                  </a:schemeClr>
+                </a:lnRef>
+                <a:fillRef idx="1">
+                  <a:schemeClr val="dk1"/>
+                </a:fillRef>
+                <a:effectRef idx="0">
+                  <a:schemeClr val="dk1"/>
+                </a:effectRef>
+                <a:fontRef idx="minor">
+                  <a:schemeClr val="lt1"/>
+                </a:fontRef>
+              </p:style>
+              <p:txBody>
+                <a:bodyPr rtlCol="0" anchor="ctr"/>
+                <a:lstStyle/>
+                <a:p>
+                  <a:pPr algn="ctr"/>
+                  <a:endParaRPr lang="en-US"/>
+                </a:p>
+              </p:txBody>
+            </p:sp>
+          </p:grpSp>
+        </p:grpSp>
+        <p:pic>
+          <p:nvPicPr>
+            <p:cNvPr id="22" name="Picture 21">
+              <a:extLst>
+                <a:ext uri="{FF2B5EF4-FFF2-40B4-BE49-F238E27FC236}">
+                  <a16:creationId xmlns:a16="http://schemas.microsoft.com/office/drawing/2014/main" id="{E8D91A4E-02FA-4A94-89FD-4E5B2325B51C}"/>
+                </a:ext>
+              </a:extLst>
+            </p:cNvPr>
+            <p:cNvPicPr>
+              <a:picLocks noChangeAspect="1"/>
+            </p:cNvPicPr>
+            <p:nvPr/>
+          </p:nvPicPr>
+          <p:blipFill>
+            <a:blip r:embed="rId5">
+              <a:extLst>
+                <a:ext uri="{837473B0-CC2E-450A-ABE3-18F120FF3D39}">
+                  <a1611:picAttrSrcUrl xmlns:a1611="http://schemas.microsoft.com/office/drawing/2016/11/main" r:id="rId6"/>
+                </a:ext>
+              </a:extLst>
+            </a:blip>
+            <a:stretch>
+              <a:fillRect/>
+            </a:stretch>
+          </p:blipFill>
+          <p:spPr>
+            <a:xfrm>
+              <a:off x="5245437" y="688860"/>
+              <a:ext cx="627807" cy="592928"/>
+            </a:xfrm>
+            <a:prstGeom prst="rect">
+              <a:avLst/>
+            </a:prstGeom>
+          </p:spPr>
+        </p:pic>
+      </p:grpSp>
     </p:spTree>
   </p:cSld>
   <p:clrMapOvr>

--- a/docs/Borgs_Retrospective.pptx
+++ b/docs/Borgs_Retrospective.pptx
@@ -7558,8 +7558,8 @@
         </p:nvSpPr>
         <p:spPr>
           <a:xfrm>
-            <a:off x="174484" y="1536920"/>
-            <a:ext cx="7858126" cy="4177096"/>
+            <a:off x="182880" y="1556825"/>
+            <a:ext cx="8692895" cy="4177096"/>
           </a:xfrm>
           <a:prstGeom prst="rect">
             <a:avLst/>
@@ -7604,13 +7604,10 @@
             <a:endParaRPr dirty="0"/>
           </a:p>
           <a:p>
-            <a:pPr marL="968375" marR="0" lvl="2" indent="-282575" algn="l" rtl="0">
+            <a:pPr marL="968375" indent="-282575">
               <a:spcBef>
                 <a:spcPts val="1200"/>
               </a:spcBef>
-              <a:spcAft>
-                <a:spcPts val="0"/>
-              </a:spcAft>
               <a:buClr>
                 <a:srgbClr val="B870B8"/>
               </a:buClr>
@@ -7628,7 +7625,103 @@
                 <a:cs typeface="Calibri"/>
                 <a:sym typeface="Calibri"/>
               </a:rPr>
-              <a:t>TEAM – Little to no conflict. Everyone was helpful to each other when answering questions. All able to sync repositories and modify shared project.</a:t>
+              <a:t> TEAM </a:t>
+            </a:r>
+            <a:endParaRPr lang="en-US" sz="1600" dirty="0">
+              <a:solidFill>
+                <a:schemeClr val="dk1"/>
+              </a:solidFill>
+              <a:latin typeface="Calibri"/>
+              <a:ea typeface="Calibri"/>
+              <a:cs typeface="Calibri"/>
+              <a:sym typeface="Calibri"/>
+            </a:endParaRPr>
+          </a:p>
+          <a:p>
+            <a:pPr marL="914400" indent="-285750">
+              <a:buClr>
+                <a:srgbClr val="B870B8"/>
+              </a:buClr>
+              <a:buSzPts val="1760"/>
+              <a:buFont typeface="Arial" panose="020B0604020202020204" pitchFamily="34" charset="0"/>
+              <a:buChar char="•"/>
+            </a:pPr>
+            <a:r>
+              <a:rPr lang="en-US" sz="1600" b="0" i="0" u="none" strike="noStrike" cap="none" dirty="0">
+                <a:solidFill>
+                  <a:schemeClr val="dk1"/>
+                </a:solidFill>
+                <a:latin typeface="Calibri"/>
+                <a:ea typeface="Calibri"/>
+                <a:cs typeface="Calibri"/>
+                <a:sym typeface="Calibri"/>
+              </a:rPr>
+              <a:t>Little to no conflict. </a:t>
+            </a:r>
+          </a:p>
+          <a:p>
+            <a:pPr marL="914400" lvl="2" indent="-285750">
+              <a:buClr>
+                <a:srgbClr val="B870B8"/>
+              </a:buClr>
+              <a:buSzPts val="1760"/>
+              <a:buFont typeface="Arial" panose="020B0604020202020204" pitchFamily="34" charset="0"/>
+              <a:buChar char="•"/>
+            </a:pPr>
+            <a:r>
+              <a:rPr lang="en-US" sz="1600" b="0" i="0" u="none" strike="noStrike" cap="none" dirty="0">
+                <a:solidFill>
+                  <a:schemeClr val="dk1"/>
+                </a:solidFill>
+                <a:latin typeface="Calibri"/>
+                <a:ea typeface="Calibri"/>
+                <a:cs typeface="Calibri"/>
+                <a:sym typeface="Calibri"/>
+              </a:rPr>
+              <a:t>Everyone was helpful to each other when answering questions. </a:t>
+            </a:r>
+          </a:p>
+          <a:p>
+            <a:pPr marL="914400" lvl="2" indent="-285750">
+              <a:buClr>
+                <a:srgbClr val="B870B8"/>
+              </a:buClr>
+              <a:buSzPts val="1760"/>
+              <a:buFont typeface="Arial" panose="020B0604020202020204" pitchFamily="34" charset="0"/>
+              <a:buChar char="•"/>
+            </a:pPr>
+            <a:r>
+              <a:rPr lang="en-US" sz="1600" b="0" i="0" u="none" strike="noStrike" cap="none" dirty="0">
+                <a:solidFill>
+                  <a:schemeClr val="dk1"/>
+                </a:solidFill>
+                <a:latin typeface="Calibri"/>
+                <a:ea typeface="Calibri"/>
+                <a:cs typeface="Calibri"/>
+                <a:sym typeface="Calibri"/>
+              </a:rPr>
+              <a:t>All able to sync repositories and modify shared project.</a:t>
+            </a:r>
+          </a:p>
+          <a:p>
+            <a:pPr marL="914400" lvl="2" indent="-285750">
+              <a:buClr>
+                <a:srgbClr val="B870B8"/>
+              </a:buClr>
+              <a:buSzPts val="1760"/>
+              <a:buFont typeface="Arial" panose="020B0604020202020204" pitchFamily="34" charset="0"/>
+              <a:buChar char="•"/>
+            </a:pPr>
+            <a:r>
+              <a:rPr lang="en-US" sz="1600" dirty="0">
+                <a:solidFill>
+                  <a:schemeClr val="dk1"/>
+                </a:solidFill>
+                <a:latin typeface="Calibri"/>
+                <a:cs typeface="Calibri"/>
+                <a:sym typeface="Calibri"/>
+              </a:rPr>
+              <a:t>Met up to discuss any major conflicts or issues.</a:t>
             </a:r>
             <a:endParaRPr dirty="0"/>
           </a:p>
@@ -7654,7 +7747,7 @@
                 <a:cs typeface="Calibri"/>
                 <a:sym typeface="Calibri"/>
               </a:rPr>
-              <a:t>Walte</a:t>
+              <a:t> Walte</a:t>
             </a:r>
             <a:r>
               <a:rPr lang="en-US" sz="1600" dirty="0">
@@ -7710,7 +7803,7 @@
                 <a:cs typeface="Calibri"/>
                 <a:sym typeface="Calibri"/>
               </a:rPr>
-              <a:t>Carter –</a:t>
+              <a:t> Carter –</a:t>
             </a:r>
             <a:r>
               <a:rPr lang="en-US" sz="1600" dirty="0">
@@ -7751,7 +7844,7 @@
                 <a:cs typeface="Calibri"/>
                 <a:sym typeface="Calibri"/>
               </a:rPr>
-              <a:t>Daniel – Repository organization.</a:t>
+              <a:t> Daniel – Repository organization.</a:t>
             </a:r>
             <a:endParaRPr dirty="0"/>
           </a:p>
@@ -7780,7 +7873,7 @@
                 <a:cs typeface="Calibri"/>
                 <a:sym typeface="Calibri"/>
               </a:rPr>
-              <a:t>Elvin – </a:t>
+              <a:t> Elvin – </a:t>
             </a:r>
             <a:endParaRPr dirty="0"/>
           </a:p>
@@ -7809,7 +7902,7 @@
                 <a:cs typeface="Calibri"/>
                 <a:sym typeface="Calibri"/>
               </a:rPr>
-              <a:t>Luke – Cooperation, agreement, etc.</a:t>
+              <a:t> Luke – Cooperation, agreement, etc.</a:t>
             </a:r>
             <a:endParaRPr sz="1800" b="0" i="0" u="none" strike="noStrike" cap="none" dirty="0">
               <a:solidFill>
